--- a/results/250512_Project_Update.pptx
+++ b/results/250512_Project_Update.pptx
@@ -230,7 +230,7 @@
           <a:p>
             <a:fld id="{412A36AD-C140-47B5-A0AA-2808AF1C1C9D}" type="datetimeFigureOut">
               <a:rPr lang="en-AU" smtClean="0"/>
-              <a:t>12/5/2025</a:t>
+              <a:t>13/5/2025</a:t>
             </a:fld>
             <a:endParaRPr lang="en-AU"/>
           </a:p>
@@ -395,7 +395,7 @@
           <a:p>
             <a:fld id="{2763829E-EB69-4A98-9D54-8D6822520B27}" type="datetimeFigureOut">
               <a:rPr lang="en-AU" smtClean="0"/>
-              <a:t>12/5/2025</a:t>
+              <a:t>13/5/2025</a:t>
             </a:fld>
             <a:endParaRPr lang="en-AU"/>
           </a:p>
@@ -43566,15 +43566,6 @@
 </file>
 
 <file path=customXml/item1.xml><?xml version="1.0" encoding="utf-8"?>
-<?mso-contentType ?>
-<FormTemplates xmlns="http://schemas.microsoft.com/sharepoint/v3/contenttype/forms">
-  <Display>DocumentLibraryForm</Display>
-  <Edit>DocumentLibraryForm</Edit>
-  <New>DocumentLibraryForm</New>
-</FormTemplates>
-</file>
-
-<file path=customXml/item2.xml><?xml version="1.0" encoding="utf-8"?>
 <ct:contentTypeSchema xmlns:ct="http://schemas.microsoft.com/office/2006/metadata/contentType" xmlns:ma="http://schemas.microsoft.com/office/2006/metadata/properties/metaAttributes" ct:_="" ma:_="" ma:contentTypeName="Document" ma:contentTypeID="0x0101003C84F0916BBF724CA1E7D8F63C7F06BD" ma:contentTypeVersion="3" ma:contentTypeDescription="Create a new document." ma:contentTypeScope="" ma:versionID="f4444293139f7a37c994b13d524c33e3">
   <xsd:schema xmlns:xsd="http://www.w3.org/2001/XMLSchema" xmlns:xs="http://www.w3.org/2001/XMLSchema" xmlns:p="http://schemas.microsoft.com/office/2006/metadata/properties" xmlns:ns2="65b0f26f-95df-44cf-88fa-e9c7b5beb0cc" targetNamespace="http://schemas.microsoft.com/office/2006/metadata/properties" ma:root="true" ma:fieldsID="b9635e00277b2d59d79ce549094dd594" ns2:_="">
     <xsd:import namespace="65b0f26f-95df-44cf-88fa-e9c7b5beb0cc"/>
@@ -43712,6 +43703,15 @@
 </ct:contentTypeSchema>
 </file>
 
+<file path=customXml/item2.xml><?xml version="1.0" encoding="utf-8"?>
+<?mso-contentType ?>
+<FormTemplates xmlns="http://schemas.microsoft.com/sharepoint/v3/contenttype/forms">
+  <Display>DocumentLibraryForm</Display>
+  <Edit>DocumentLibraryForm</Edit>
+  <New>DocumentLibraryForm</New>
+</FormTemplates>
+</file>
+
 <file path=customXml/item3.xml><?xml version="1.0" encoding="utf-8"?>
 <p:properties xmlns:p="http://schemas.microsoft.com/office/2006/metadata/properties" xmlns:xsi="http://www.w3.org/2001/XMLSchema-instance" xmlns:pc="http://schemas.microsoft.com/office/infopath/2007/PartnerControls">
   <documentManagement/>
@@ -43719,14 +43719,6 @@
 </file>
 
 <file path=customXml/itemProps1.xml><?xml version="1.0" encoding="utf-8"?>
-<ds:datastoreItem xmlns:ds="http://schemas.openxmlformats.org/officeDocument/2006/customXml" ds:itemID="{732F4D4E-5CC3-44EF-852B-455B45EFC022}">
-  <ds:schemaRefs>
-    <ds:schemaRef ds:uri="http://schemas.microsoft.com/sharepoint/v3/contenttype/forms"/>
-  </ds:schemaRefs>
-</ds:datastoreItem>
-</file>
-
-<file path=customXml/itemProps2.xml><?xml version="1.0" encoding="utf-8"?>
 <ds:datastoreItem xmlns:ds="http://schemas.openxmlformats.org/officeDocument/2006/customXml" ds:itemID="{32611DF2-16B0-48C6-8535-9B4FC183DA30}">
   <ds:schemaRefs>
     <ds:schemaRef ds:uri="http://schemas.microsoft.com/office/2006/metadata/contentType"/>
@@ -43744,6 +43736,14 @@
 </ds:datastoreItem>
 </file>
 
+<file path=customXml/itemProps2.xml><?xml version="1.0" encoding="utf-8"?>
+<ds:datastoreItem xmlns:ds="http://schemas.openxmlformats.org/officeDocument/2006/customXml" ds:itemID="{732F4D4E-5CC3-44EF-852B-455B45EFC022}">
+  <ds:schemaRefs>
+    <ds:schemaRef ds:uri="http://schemas.microsoft.com/sharepoint/v3/contenttype/forms"/>
+  </ds:schemaRefs>
+</ds:datastoreItem>
+</file>
+
 <file path=customXml/itemProps3.xml><?xml version="1.0" encoding="utf-8"?>
 <ds:datastoreItem xmlns:ds="http://schemas.openxmlformats.org/officeDocument/2006/customXml" ds:itemID="{0BA6ACFB-BBAF-41D0-B45A-5E57454824E9}">
   <ds:schemaRefs>
